--- a/Nasdanika WebTest.pptx
+++ b/Nasdanika WebTest.pptx
@@ -423,7 +423,7 @@
             <a:fld id="{73396D94-1E99-4A60-98C5-CD1513B04F60}" type="datetimeFigureOut">
               <a:rPr lang="en-US" smtClean="0"/>
               <a:pPr/>
-              <a:t>10/12/2014</a:t>
+              <a:t>11/8/2014</a:t>
             </a:fld>
             <a:endParaRPr lang="en-US"/>
           </a:p>
@@ -616,7 +616,7 @@
             <a:fld id="{73396D94-1E99-4A60-98C5-CD1513B04F60}" type="datetimeFigureOut">
               <a:rPr lang="en-US" smtClean="0"/>
               <a:pPr/>
-              <a:t>10/12/2014</a:t>
+              <a:t>11/8/2014</a:t>
             </a:fld>
             <a:endParaRPr lang="en-US"/>
           </a:p>
@@ -803,7 +803,7 @@
             <a:fld id="{73396D94-1E99-4A60-98C5-CD1513B04F60}" type="datetimeFigureOut">
               <a:rPr lang="en-US" smtClean="0"/>
               <a:pPr/>
-              <a:t>10/12/2014</a:t>
+              <a:t>11/8/2014</a:t>
             </a:fld>
             <a:endParaRPr lang="en-US"/>
           </a:p>
@@ -1068,7 +1068,7 @@
             <a:fld id="{73396D94-1E99-4A60-98C5-CD1513B04F60}" type="datetimeFigureOut">
               <a:rPr lang="en-US" smtClean="0"/>
               <a:pPr/>
-              <a:t>10/12/2014</a:t>
+              <a:t>11/8/2014</a:t>
             </a:fld>
             <a:endParaRPr lang="en-US"/>
           </a:p>
@@ -1486,7 +1486,7 @@
             <a:fld id="{73396D94-1E99-4A60-98C5-CD1513B04F60}" type="datetimeFigureOut">
               <a:rPr lang="en-US" smtClean="0"/>
               <a:pPr/>
-              <a:t>10/12/2014</a:t>
+              <a:t>11/8/2014</a:t>
             </a:fld>
             <a:endParaRPr lang="en-US"/>
           </a:p>
@@ -1730,7 +1730,7 @@
             <a:fld id="{73396D94-1E99-4A60-98C5-CD1513B04F60}" type="datetimeFigureOut">
               <a:rPr lang="en-US" smtClean="0"/>
               <a:pPr/>
-              <a:t>10/12/2014</a:t>
+              <a:t>11/8/2014</a:t>
             </a:fld>
             <a:endParaRPr lang="en-US"/>
           </a:p>
@@ -1968,7 +1968,7 @@
             <a:fld id="{73396D94-1E99-4A60-98C5-CD1513B04F60}" type="datetimeFigureOut">
               <a:rPr lang="en-US" smtClean="0"/>
               <a:pPr/>
-              <a:t>10/12/2014</a:t>
+              <a:t>11/8/2014</a:t>
             </a:fld>
             <a:endParaRPr lang="en-US"/>
           </a:p>
@@ -2165,7 +2165,7 @@
             <a:fld id="{73396D94-1E99-4A60-98C5-CD1513B04F60}" type="datetimeFigureOut">
               <a:rPr lang="en-US" smtClean="0"/>
               <a:pPr/>
-              <a:t>10/12/2014</a:t>
+              <a:t>11/8/2014</a:t>
             </a:fld>
             <a:endParaRPr lang="en-US"/>
           </a:p>
@@ -2265,7 +2265,7 @@
             <a:fld id="{73396D94-1E99-4A60-98C5-CD1513B04F60}" type="datetimeFigureOut">
               <a:rPr lang="en-US" smtClean="0"/>
               <a:pPr/>
-              <a:t>10/12/2014</a:t>
+              <a:t>11/8/2014</a:t>
             </a:fld>
             <a:endParaRPr lang="en-US"/>
           </a:p>
@@ -2403,7 +2403,7 @@
             <a:fld id="{73396D94-1E99-4A60-98C5-CD1513B04F60}" type="datetimeFigureOut">
               <a:rPr lang="en-US" smtClean="0"/>
               <a:pPr/>
-              <a:t>10/12/2014</a:t>
+              <a:t>11/8/2014</a:t>
             </a:fld>
             <a:endParaRPr lang="en-US"/>
           </a:p>
@@ -2923,7 +2923,7 @@
             <a:fld id="{73396D94-1E99-4A60-98C5-CD1513B04F60}" type="datetimeFigureOut">
               <a:rPr lang="en-US" smtClean="0"/>
               <a:pPr/>
-              <a:t>10/12/2014</a:t>
+              <a:t>11/8/2014</a:t>
             </a:fld>
             <a:endParaRPr lang="en-US"/>
           </a:p>
@@ -3186,7 +3186,7 @@
             <a:fld id="{73396D94-1E99-4A60-98C5-CD1513B04F60}" type="datetimeFigureOut">
               <a:rPr lang="en-US" smtClean="0"/>
               <a:pPr/>
-              <a:t>10/12/2014</a:t>
+              <a:t>11/8/2014</a:t>
             </a:fld>
             <a:endParaRPr lang="en-US"/>
           </a:p>
@@ -3784,14 +3784,18 @@
         </p:spPr>
         <p:txBody>
           <a:bodyPr>
-            <a:normAutofit/>
+            <a:normAutofit fontScale="92500" lnSpcReduction="20000"/>
           </a:bodyPr>
           <a:lstStyle/>
           <a:p>
             <a:pPr algn="ctr"/>
             <a:r>
               <a:rPr lang="en-US" sz="2800" dirty="0" smtClean="0"/>
-              <a:t>October 2014</a:t>
+              <a:t>November </a:t>
+            </a:r>
+            <a:r>
+              <a:rPr lang="en-US" sz="2800" dirty="0" smtClean="0"/>
+              <a:t>2014</a:t>
             </a:r>
             <a:endParaRPr lang="en-US" sz="2800" dirty="0"/>
           </a:p>
@@ -7794,7 +7798,7 @@
           <a:p>
             <a:r>
               <a:rPr lang="en-US" dirty="0" smtClean="0"/>
-              <a:t>Addressing UI variability</a:t>
+              <a:t>Set up workspace(s)</a:t>
             </a:r>
             <a:endParaRPr lang="en-US" dirty="0"/>
           </a:p>
@@ -7811,7 +7815,7 @@
         <p:spPr>
           <a:xfrm>
             <a:off x="612648" y="1600200"/>
-            <a:ext cx="8153400" cy="4800600"/>
+            <a:ext cx="8153400" cy="2222468"/>
           </a:xfrm>
           <a:prstGeom prst="rect">
             <a:avLst/>
@@ -7819,7 +7823,7 @@
         </p:spPr>
         <p:txBody>
           <a:bodyPr>
-            <a:normAutofit/>
+            <a:normAutofit fontScale="92500"/>
           </a:bodyPr>
           <a:lstStyle/>
           <a:p>
@@ -7843,7 +7847,7 @@
               <a:defRPr/>
             </a:pPr>
             <a:r>
-              <a:rPr kumimoji="0" lang="en-US" sz="2900" b="0" i="0" u="none" strike="noStrike" kern="1200" cap="none" spc="0" normalizeH="0" baseline="0" noProof="0" dirty="0" smtClean="0">
+              <a:rPr kumimoji="0" lang="en-US" sz="2400" b="0" i="0" u="none" strike="noStrike" kern="1200" cap="none" spc="0" normalizeH="0" baseline="0" noProof="0" dirty="0" smtClean="0">
                 <a:ln>
                   <a:noFill/>
                 </a:ln>
@@ -7857,57 +7861,74 @@
                 <a:ea typeface="+mn-ea"/>
                 <a:cs typeface="+mn-cs"/>
               </a:rPr>
-              <a:t>Responsive</a:t>
-            </a:r>
-          </a:p>
-          <a:p>
-            <a:pPr marL="777240" lvl="1" indent="-320040">
-              <a:spcBef>
-                <a:spcPts val="700"/>
-              </a:spcBef>
-              <a:buClr>
-                <a:schemeClr val="accent2"/>
-              </a:buClr>
-              <a:buSzPct val="60000"/>
-              <a:buFont typeface="Wingdings"/>
-              <a:buChar char=""/>
-            </a:pPr>
-            <a:r>
-              <a:rPr lang="en-US" sz="2400" dirty="0" smtClean="0">
-                <a:latin typeface="+mj-lt"/>
-              </a:rPr>
-              <a:t>Conditionals, e.g. if (!</a:t>
-            </a:r>
-            <a:r>
-              <a:rPr lang="en-US" sz="2400" dirty="0" err="1" smtClean="0">
-                <a:latin typeface="+mj-lt"/>
-              </a:rPr>
-              <a:t>element.isVisible</a:t>
-            </a:r>
-            <a:r>
-              <a:rPr lang="en-US" sz="2400" dirty="0" smtClean="0">
-                <a:latin typeface="+mj-lt"/>
-              </a:rPr>
-              <a:t>()) …</a:t>
-            </a:r>
-          </a:p>
-          <a:p>
-            <a:pPr marL="777240" lvl="1" indent="-320040">
-              <a:spcBef>
-                <a:spcPts val="700"/>
-              </a:spcBef>
-              <a:buClr>
-                <a:schemeClr val="accent2"/>
-              </a:buClr>
-              <a:buSzPct val="60000"/>
-              <a:buFont typeface="Wingdings"/>
-              <a:buChar char=""/>
-            </a:pPr>
-            <a:r>
-              <a:rPr lang="en-US" sz="2400" dirty="0" smtClean="0">
-                <a:latin typeface="+mj-lt"/>
-              </a:rPr>
-              <a:t>Multiple page implementations.</a:t>
+              <a:t>Install </a:t>
+            </a:r>
+            <a:r>
+              <a:rPr kumimoji="0" lang="en-US" sz="2400" b="0" i="0" u="none" strike="noStrike" kern="1200" cap="none" spc="0" normalizeH="0" baseline="0" noProof="0" dirty="0" err="1" smtClean="0">
+                <a:ln>
+                  <a:noFill/>
+                </a:ln>
+                <a:solidFill>
+                  <a:schemeClr val="tx1"/>
+                </a:solidFill>
+                <a:effectLst/>
+                <a:uLnTx/>
+                <a:uFillTx/>
+                <a:latin typeface="+mj-lt"/>
+                <a:ea typeface="+mn-ea"/>
+                <a:cs typeface="+mn-cs"/>
+              </a:rPr>
+              <a:t>Nasdanika</a:t>
+            </a:r>
+            <a:r>
+              <a:rPr kumimoji="0" lang="en-US" sz="2400" b="0" i="0" u="none" strike="noStrike" kern="1200" cap="none" spc="0" normalizeH="0" baseline="0" noProof="0" dirty="0" smtClean="0">
+                <a:ln>
+                  <a:noFill/>
+                </a:ln>
+                <a:solidFill>
+                  <a:schemeClr val="tx1"/>
+                </a:solidFill>
+                <a:effectLst/>
+                <a:uLnTx/>
+                <a:uFillTx/>
+                <a:latin typeface="+mj-lt"/>
+                <a:ea typeface="+mn-ea"/>
+                <a:cs typeface="+mn-cs"/>
+              </a:rPr>
+              <a:t> Workspace</a:t>
+            </a:r>
+            <a:r>
+              <a:rPr kumimoji="0" lang="en-US" sz="2400" b="0" i="0" u="none" strike="noStrike" kern="1200" cap="none" spc="0" normalizeH="0" noProof="0" dirty="0" smtClean="0">
+                <a:ln>
+                  <a:noFill/>
+                </a:ln>
+                <a:solidFill>
+                  <a:schemeClr val="tx1"/>
+                </a:solidFill>
+                <a:effectLst/>
+                <a:uLnTx/>
+                <a:uFillTx/>
+                <a:latin typeface="+mj-lt"/>
+                <a:ea typeface="+mn-ea"/>
+                <a:cs typeface="+mn-cs"/>
+              </a:rPr>
+              <a:t> Wizard from </a:t>
+            </a:r>
+            <a:r>
+              <a:rPr kumimoji="0" lang="en-US" sz="2400" b="0" i="0" u="none" strike="noStrike" kern="1200" cap="none" spc="0" normalizeH="0" noProof="0" dirty="0" smtClean="0">
+                <a:ln>
+                  <a:noFill/>
+                </a:ln>
+                <a:solidFill>
+                  <a:schemeClr val="tx1"/>
+                </a:solidFill>
+                <a:effectLst/>
+                <a:uLnTx/>
+                <a:uFillTx/>
+                <a:latin typeface="Courier New" pitchFamily="49" charset="0"/>
+                <a:cs typeface="Courier New" pitchFamily="49" charset="0"/>
+              </a:rPr>
+              <a:t>http://www.nasdanika.org/server/repository</a:t>
             </a:r>
           </a:p>
           <a:p>
@@ -7931,14 +7952,23 @@
               <a:defRPr/>
             </a:pPr>
             <a:r>
-              <a:rPr lang="en-US" sz="2900" dirty="0" smtClean="0">
-                <a:latin typeface="+mj-lt"/>
-              </a:rPr>
-              <a:t>Adaptive, cross-application</a:t>
-            </a:r>
-          </a:p>
-          <a:p>
-            <a:pPr marL="777240" marR="0" lvl="1" indent="-320040" fontAlgn="auto">
+              <a:rPr lang="en-US" sz="2400" baseline="0" dirty="0" smtClean="0">
+                <a:latin typeface="+mj-lt"/>
+              </a:rPr>
+              <a:t>Install</a:t>
+            </a:r>
+            <a:r>
+              <a:rPr lang="en-US" sz="2400" dirty="0" smtClean="0">
+                <a:latin typeface="+mj-lt"/>
+              </a:rPr>
+              <a:t> Maven Integration For Eclipse from the Eclipse Marketplace</a:t>
+            </a:r>
+          </a:p>
+          <a:p>
+            <a:pPr marL="320040" marR="0" lvl="0" indent="-320040" algn="l" defTabSz="914400" rtl="0" eaLnBrk="1" fontAlgn="auto" latinLnBrk="0" hangingPunct="1">
+              <a:lnSpc>
+                <a:spcPct val="100000"/>
+              </a:lnSpc>
               <a:spcBef>
                 <a:spcPts val="700"/>
               </a:spcBef>
@@ -7955,38 +7985,134 @@
               <a:defRPr/>
             </a:pPr>
             <a:r>
-              <a:rPr lang="en-US" sz="2400" dirty="0" smtClean="0">
-                <a:latin typeface="+mj-lt"/>
-              </a:rPr>
-              <a:t>Multiple actor and page implementations.</a:t>
-            </a:r>
-          </a:p>
-          <a:p>
-            <a:pPr marL="777240" marR="0" lvl="1" indent="-320040" fontAlgn="auto">
-              <a:spcBef>
-                <a:spcPts val="700"/>
-              </a:spcBef>
-              <a:spcAft>
-                <a:spcPts val="0"/>
-              </a:spcAft>
-              <a:buClr>
-                <a:schemeClr val="accent2"/>
-              </a:buClr>
-              <a:buSzPct val="60000"/>
-              <a:buFont typeface="Wingdings"/>
-              <a:buChar char=""/>
-              <a:tabLst/>
-              <a:defRPr/>
-            </a:pPr>
-            <a:r>
-              <a:rPr lang="en-US" sz="2400" dirty="0" smtClean="0">
-                <a:latin typeface="+mj-lt"/>
-              </a:rPr>
-              <a:t>Multiple test implementations (strategy pattern).</a:t>
-            </a:r>
-          </a:p>
-        </p:txBody>
-      </p:sp>
+              <a:rPr kumimoji="0" lang="en-US" sz="2400" b="0" i="0" u="none" strike="noStrike" kern="1200" cap="none" spc="0" normalizeH="0" baseline="0" noProof="0" dirty="0" smtClean="0">
+                <a:ln>
+                  <a:noFill/>
+                </a:ln>
+                <a:solidFill>
+                  <a:schemeClr val="tx1"/>
+                </a:solidFill>
+                <a:effectLst/>
+                <a:uLnTx/>
+                <a:uFillTx/>
+                <a:latin typeface="+mj-lt"/>
+                <a:ea typeface="+mn-ea"/>
+                <a:cs typeface="+mn-cs"/>
+              </a:rPr>
+              <a:t>Generate workspace</a:t>
+            </a:r>
+            <a:r>
+              <a:rPr kumimoji="0" lang="en-US" sz="2400" b="0" i="0" u="none" strike="noStrike" kern="1200" cap="none" spc="0" normalizeH="0" noProof="0" dirty="0" smtClean="0">
+                <a:ln>
+                  <a:noFill/>
+                </a:ln>
+                <a:solidFill>
+                  <a:schemeClr val="tx1"/>
+                </a:solidFill>
+                <a:effectLst/>
+                <a:uLnTx/>
+                <a:uFillTx/>
+                <a:latin typeface="+mj-lt"/>
+                <a:ea typeface="+mn-ea"/>
+                <a:cs typeface="+mn-cs"/>
+              </a:rPr>
+              <a:t> projects – all in one workspace, or several workspaces, e.g. UI driver workspace and Tests project workspace</a:t>
+            </a:r>
+          </a:p>
+        </p:txBody>
+      </p:sp>
+      <p:pic>
+        <p:nvPicPr>
+          <p:cNvPr id="5122" name="Picture 2" descr="Workspace Wizard"/>
+          <p:cNvPicPr>
+            <a:picLocks noChangeAspect="1" noChangeArrowheads="1"/>
+          </p:cNvPicPr>
+          <p:nvPr/>
+        </p:nvPicPr>
+        <p:blipFill>
+          <a:blip r:embed="rId2" cstate="print"/>
+          <a:srcRect/>
+          <a:stretch>
+            <a:fillRect/>
+          </a:stretch>
+        </p:blipFill>
+        <p:spPr bwMode="auto">
+          <a:xfrm>
+            <a:off x="381000" y="3822668"/>
+            <a:ext cx="3006090" cy="2857500"/>
+          </a:xfrm>
+          <a:prstGeom prst="rect">
+            <a:avLst/>
+          </a:prstGeom>
+          <a:noFill/>
+        </p:spPr>
+      </p:pic>
+      <p:pic>
+        <p:nvPicPr>
+          <p:cNvPr id="5123" name="Picture 3"/>
+          <p:cNvPicPr>
+            <a:picLocks noChangeAspect="1" noChangeArrowheads="1"/>
+          </p:cNvPicPr>
+          <p:nvPr/>
+        </p:nvPicPr>
+        <p:blipFill>
+          <a:blip r:embed="rId3" cstate="print"/>
+          <a:srcRect/>
+          <a:stretch>
+            <a:fillRect/>
+          </a:stretch>
+        </p:blipFill>
+        <p:spPr bwMode="auto">
+          <a:xfrm>
+            <a:off x="3494913" y="3822668"/>
+            <a:ext cx="2553462" cy="2844832"/>
+          </a:xfrm>
+          <a:prstGeom prst="rect">
+            <a:avLst/>
+          </a:prstGeom>
+          <a:noFill/>
+          <a:ln w="9525">
+            <a:noFill/>
+            <a:miter lim="800000"/>
+            <a:headEnd/>
+            <a:tailEnd/>
+          </a:ln>
+        </p:spPr>
+      </p:pic>
+      <p:pic>
+        <p:nvPicPr>
+          <p:cNvPr id="5124" name="Picture 4"/>
+          <p:cNvPicPr>
+            <a:picLocks noChangeAspect="1" noChangeArrowheads="1"/>
+          </p:cNvPicPr>
+          <p:nvPr/>
+        </p:nvPicPr>
+        <p:blipFill>
+          <a:blip r:embed="rId4" cstate="print"/>
+          <a:srcRect/>
+          <a:stretch>
+            <a:fillRect/>
+          </a:stretch>
+        </p:blipFill>
+        <p:spPr bwMode="auto">
+          <a:xfrm>
+            <a:off x="6172200" y="3822668"/>
+            <a:ext cx="2793442" cy="1892332"/>
+          </a:xfrm>
+          <a:prstGeom prst="rect">
+            <a:avLst/>
+          </a:prstGeom>
+          <a:noFill/>
+          <a:ln w="9525">
+            <a:solidFill>
+              <a:schemeClr val="accent1"/>
+            </a:solidFill>
+            <a:miter lim="800000"/>
+            <a:headEnd/>
+            <a:tailEnd/>
+          </a:ln>
+        </p:spPr>
+      </p:pic>
     </p:spTree>
   </p:cSld>
   <p:clrMapOvr>
